--- a/Instructions/Design.pptx
+++ b/Instructions/Design.pptx
@@ -6,8 +6,9 @@
   </p:sldMasterIdLst>
   <p:sldIdLst>
     <p:sldId id="256" r:id="rId2"/>
-    <p:sldId id="258" r:id="rId3"/>
-    <p:sldId id="257" r:id="rId4"/>
+    <p:sldId id="259" r:id="rId3"/>
+    <p:sldId id="258" r:id="rId4"/>
+    <p:sldId id="257" r:id="rId5"/>
   </p:sldIdLst>
   <p:sldSz cx="12192000" cy="6858000"/>
   <p:notesSz cx="6858000" cy="9144000"/>
@@ -106,6 +107,11 @@
       </a:defRPr>
     </a:lvl9pPr>
   </p:defaultTextStyle>
+  <p:extLst>
+    <p:ext uri="{EFAFB233-063F-42B5-8137-9DF3F51BA10A}">
+      <p15:sldGuideLst xmlns:p15="http://schemas.microsoft.com/office/powerpoint/2012/main"/>
+    </p:ext>
+  </p:extLst>
 </p:presentation>
 </file>
 
@@ -256,7 +262,7 @@
           <a:p>
             <a:fld id="{C2EBC173-959D-4FDF-8B42-3C3041FEC123}" type="datetimeFigureOut">
               <a:rPr lang="en-US" smtClean="0"/>
-              <a:t>1/2/2023</a:t>
+              <a:t>1/9/2023</a:t>
             </a:fld>
             <a:endParaRPr lang="en-US"/>
           </a:p>
@@ -454,7 +460,7 @@
           <a:p>
             <a:fld id="{C2EBC173-959D-4FDF-8B42-3C3041FEC123}" type="datetimeFigureOut">
               <a:rPr lang="en-US" smtClean="0"/>
-              <a:t>1/2/2023</a:t>
+              <a:t>1/9/2023</a:t>
             </a:fld>
             <a:endParaRPr lang="en-US"/>
           </a:p>
@@ -662,7 +668,7 @@
           <a:p>
             <a:fld id="{C2EBC173-959D-4FDF-8B42-3C3041FEC123}" type="datetimeFigureOut">
               <a:rPr lang="en-US" smtClean="0"/>
-              <a:t>1/2/2023</a:t>
+              <a:t>1/9/2023</a:t>
             </a:fld>
             <a:endParaRPr lang="en-US"/>
           </a:p>
@@ -860,7 +866,7 @@
           <a:p>
             <a:fld id="{C2EBC173-959D-4FDF-8B42-3C3041FEC123}" type="datetimeFigureOut">
               <a:rPr lang="en-US" smtClean="0"/>
-              <a:t>1/2/2023</a:t>
+              <a:t>1/9/2023</a:t>
             </a:fld>
             <a:endParaRPr lang="en-US"/>
           </a:p>
@@ -1135,7 +1141,7 @@
           <a:p>
             <a:fld id="{C2EBC173-959D-4FDF-8B42-3C3041FEC123}" type="datetimeFigureOut">
               <a:rPr lang="en-US" smtClean="0"/>
-              <a:t>1/2/2023</a:t>
+              <a:t>1/9/2023</a:t>
             </a:fld>
             <a:endParaRPr lang="en-US"/>
           </a:p>
@@ -1400,7 +1406,7 @@
           <a:p>
             <a:fld id="{C2EBC173-959D-4FDF-8B42-3C3041FEC123}" type="datetimeFigureOut">
               <a:rPr lang="en-US" smtClean="0"/>
-              <a:t>1/2/2023</a:t>
+              <a:t>1/9/2023</a:t>
             </a:fld>
             <a:endParaRPr lang="en-US"/>
           </a:p>
@@ -1812,7 +1818,7 @@
           <a:p>
             <a:fld id="{C2EBC173-959D-4FDF-8B42-3C3041FEC123}" type="datetimeFigureOut">
               <a:rPr lang="en-US" smtClean="0"/>
-              <a:t>1/2/2023</a:t>
+              <a:t>1/9/2023</a:t>
             </a:fld>
             <a:endParaRPr lang="en-US"/>
           </a:p>
@@ -1953,7 +1959,7 @@
           <a:p>
             <a:fld id="{C2EBC173-959D-4FDF-8B42-3C3041FEC123}" type="datetimeFigureOut">
               <a:rPr lang="en-US" smtClean="0"/>
-              <a:t>1/2/2023</a:t>
+              <a:t>1/9/2023</a:t>
             </a:fld>
             <a:endParaRPr lang="en-US"/>
           </a:p>
@@ -2066,7 +2072,7 @@
           <a:p>
             <a:fld id="{C2EBC173-959D-4FDF-8B42-3C3041FEC123}" type="datetimeFigureOut">
               <a:rPr lang="en-US" smtClean="0"/>
-              <a:t>1/2/2023</a:t>
+              <a:t>1/9/2023</a:t>
             </a:fld>
             <a:endParaRPr lang="en-US"/>
           </a:p>
@@ -2377,7 +2383,7 @@
           <a:p>
             <a:fld id="{C2EBC173-959D-4FDF-8B42-3C3041FEC123}" type="datetimeFigureOut">
               <a:rPr lang="en-US" smtClean="0"/>
-              <a:t>1/2/2023</a:t>
+              <a:t>1/9/2023</a:t>
             </a:fld>
             <a:endParaRPr lang="en-US"/>
           </a:p>
@@ -2665,7 +2671,7 @@
           <a:p>
             <a:fld id="{C2EBC173-959D-4FDF-8B42-3C3041FEC123}" type="datetimeFigureOut">
               <a:rPr lang="en-US" smtClean="0"/>
-              <a:t>1/2/2023</a:t>
+              <a:t>1/9/2023</a:t>
             </a:fld>
             <a:endParaRPr lang="en-US"/>
           </a:p>
@@ -2906,7 +2912,7 @@
           <a:p>
             <a:fld id="{C2EBC173-959D-4FDF-8B42-3C3041FEC123}" type="datetimeFigureOut">
               <a:rPr lang="en-US" smtClean="0"/>
-              <a:t>1/2/2023</a:t>
+              <a:t>1/9/2023</a:t>
             </a:fld>
             <a:endParaRPr lang="en-US"/>
           </a:p>
@@ -3474,7 +3480,7 @@
         </p:nvCxnSpPr>
         <p:spPr>
           <a:xfrm>
-            <a:off x="4761244" y="3762714"/>
+            <a:off x="4761244" y="3753189"/>
             <a:ext cx="200963" cy="0"/>
           </a:xfrm>
           <a:prstGeom prst="line">
@@ -3513,7 +3519,7 @@
         </p:nvCxnSpPr>
         <p:spPr>
           <a:xfrm>
-            <a:off x="4761243" y="3675084"/>
+            <a:off x="4761243" y="3665559"/>
             <a:ext cx="200964" cy="0"/>
           </a:xfrm>
           <a:prstGeom prst="line">
@@ -3552,7 +3558,7 @@
         </p:nvCxnSpPr>
         <p:spPr>
           <a:xfrm>
-            <a:off x="4761244" y="3589359"/>
+            <a:off x="4766545" y="3573479"/>
             <a:ext cx="200963" cy="0"/>
           </a:xfrm>
           <a:prstGeom prst="line">
@@ -3591,7 +3597,7 @@
         </p:nvCxnSpPr>
         <p:spPr>
           <a:xfrm>
-            <a:off x="4761243" y="3492204"/>
+            <a:off x="4761243" y="3476964"/>
             <a:ext cx="200964" cy="0"/>
           </a:xfrm>
           <a:prstGeom prst="line">
@@ -3703,60 +3709,6 @@
           </a:fontRef>
         </p:style>
       </p:cxnSp>
-      <p:sp>
-        <p:nvSpPr>
-          <p:cNvPr id="22" name="Rectangle: Rounded Corners 21">
-            <a:extLst>
-              <a:ext uri="{FF2B5EF4-FFF2-40B4-BE49-F238E27FC236}">
-                <a16:creationId xmlns:a16="http://schemas.microsoft.com/office/drawing/2014/main" id="{5DF68745-1758-8891-6BF8-7A2CA90F5D81}"/>
-              </a:ext>
-            </a:extLst>
-          </p:cNvPr>
-          <p:cNvSpPr/>
-          <p:nvPr/>
-        </p:nvSpPr>
-        <p:spPr>
-          <a:xfrm>
-            <a:off x="4984179" y="2882131"/>
-            <a:ext cx="1257849" cy="327462"/>
-          </a:xfrm>
-          <a:prstGeom prst="roundRect">
-            <a:avLst/>
-          </a:prstGeom>
-          <a:solidFill>
-            <a:schemeClr val="accent5">
-              <a:lumMod val="50000"/>
-            </a:schemeClr>
-          </a:solidFill>
-        </p:spPr>
-        <p:style>
-          <a:lnRef idx="2">
-            <a:schemeClr val="accent1">
-              <a:shade val="50000"/>
-            </a:schemeClr>
-          </a:lnRef>
-          <a:fillRef idx="1">
-            <a:schemeClr val="accent1"/>
-          </a:fillRef>
-          <a:effectRef idx="0">
-            <a:schemeClr val="accent1"/>
-          </a:effectRef>
-          <a:fontRef idx="minor">
-            <a:schemeClr val="lt1"/>
-          </a:fontRef>
-        </p:style>
-        <p:txBody>
-          <a:bodyPr rtlCol="0" anchor="ctr"/>
-          <a:lstStyle/>
-          <a:p>
-            <a:pPr algn="ctr"/>
-            <a:r>
-              <a:rPr lang="en-US" sz="1100" dirty="0"/>
-              <a:t>FROM: Rotary Encoder Arduino</a:t>
-            </a:r>
-          </a:p>
-        </p:txBody>
-      </p:sp>
       <p:sp>
         <p:nvSpPr>
           <p:cNvPr id="23" name="Rectangle: Rounded Corners 22">
@@ -5252,7 +5204,7 @@
         </p:nvSpPr>
         <p:spPr>
           <a:xfrm>
-            <a:off x="4984180" y="3232658"/>
+            <a:off x="4984180" y="3429000"/>
             <a:ext cx="1257849" cy="655318"/>
           </a:xfrm>
           <a:prstGeom prst="roundRect">
@@ -5311,60 +5263,6 @@
       </p:sp>
       <p:sp>
         <p:nvSpPr>
-          <p:cNvPr id="1076" name="Rectangle: Rounded Corners 1075">
-            <a:extLst>
-              <a:ext uri="{FF2B5EF4-FFF2-40B4-BE49-F238E27FC236}">
-                <a16:creationId xmlns:a16="http://schemas.microsoft.com/office/drawing/2014/main" id="{807C40E7-9C03-6A9C-DCE6-4D32BAD8A2CB}"/>
-              </a:ext>
-            </a:extLst>
-          </p:cNvPr>
-          <p:cNvSpPr/>
-          <p:nvPr/>
-        </p:nvSpPr>
-        <p:spPr>
-          <a:xfrm>
-            <a:off x="4791667" y="4405414"/>
-            <a:ext cx="1257849" cy="185606"/>
-          </a:xfrm>
-          <a:prstGeom prst="roundRect">
-            <a:avLst/>
-          </a:prstGeom>
-          <a:solidFill>
-            <a:schemeClr val="accent2">
-              <a:lumMod val="50000"/>
-            </a:schemeClr>
-          </a:solidFill>
-        </p:spPr>
-        <p:style>
-          <a:lnRef idx="2">
-            <a:schemeClr val="accent1">
-              <a:shade val="50000"/>
-            </a:schemeClr>
-          </a:lnRef>
-          <a:fillRef idx="1">
-            <a:schemeClr val="accent1"/>
-          </a:fillRef>
-          <a:effectRef idx="0">
-            <a:schemeClr val="accent1"/>
-          </a:effectRef>
-          <a:fontRef idx="minor">
-            <a:schemeClr val="lt1"/>
-          </a:fontRef>
-        </p:style>
-        <p:txBody>
-          <a:bodyPr rtlCol="0" anchor="ctr"/>
-          <a:lstStyle/>
-          <a:p>
-            <a:pPr algn="ctr"/>
-            <a:r>
-              <a:rPr lang="en-US" sz="1100" dirty="0"/>
-              <a:t>TO: Sound Shield</a:t>
-            </a:r>
-          </a:p>
-        </p:txBody>
-      </p:sp>
-      <p:sp>
-        <p:nvSpPr>
           <p:cNvPr id="1077" name="TextBox 1076">
             <a:extLst>
               <a:ext uri="{FF2B5EF4-FFF2-40B4-BE49-F238E27FC236}">
@@ -5377,8 +5275,8 @@
         </p:nvSpPr>
         <p:spPr>
           <a:xfrm>
-            <a:off x="2670707" y="1475238"/>
-            <a:ext cx="2390719" cy="369332"/>
+            <a:off x="1747455" y="1475238"/>
+            <a:ext cx="3521926" cy="369332"/>
           </a:xfrm>
           <a:prstGeom prst="rect">
             <a:avLst/>
@@ -5393,7 +5291,7 @@
           <a:p>
             <a:r>
               <a:rPr lang="en-US" dirty="0"/>
-              <a:t>Control Microcontroller</a:t>
+              <a:t>Experiment Control Microcontroller</a:t>
             </a:r>
           </a:p>
         </p:txBody>
@@ -5865,7 +5763,7 @@
         <p:spPr>
           <a:xfrm>
             <a:off x="640080" y="243840"/>
-            <a:ext cx="3245184" cy="369332"/>
+            <a:ext cx="3363870" cy="646331"/>
           </a:xfrm>
           <a:prstGeom prst="rect">
             <a:avLst/>
@@ -5880,15 +5778,13 @@
           <a:p>
             <a:r>
               <a:rPr lang="en-US" dirty="0"/>
-              <a:t>Picture from the </a:t>
-            </a:r>
-            <a:r>
-              <a:rPr lang="en-US" dirty="0" err="1"/>
-              <a:t>Aruino</a:t>
-            </a:r>
+              <a:t>Picture from the Arduino website.</a:t>
+            </a:r>
+          </a:p>
+          <a:p>
             <a:r>
               <a:rPr lang="en-US" dirty="0"/>
-              <a:t> website.</a:t>
+              <a:t>Dual Arduino setup</a:t>
             </a:r>
           </a:p>
         </p:txBody>
@@ -5922,6 +5818,303 @@
           </a:prstGeom>
         </p:spPr>
       </p:pic>
+      <p:sp>
+        <p:nvSpPr>
+          <p:cNvPr id="22" name="Rectangle: Rounded Corners 21">
+            <a:extLst>
+              <a:ext uri="{FF2B5EF4-FFF2-40B4-BE49-F238E27FC236}">
+                <a16:creationId xmlns:a16="http://schemas.microsoft.com/office/drawing/2014/main" id="{5DF68745-1758-8891-6BF8-7A2CA90F5D81}"/>
+              </a:ext>
+            </a:extLst>
+          </p:cNvPr>
+          <p:cNvSpPr/>
+          <p:nvPr/>
+        </p:nvSpPr>
+        <p:spPr>
+          <a:xfrm>
+            <a:off x="4997800" y="4099630"/>
+            <a:ext cx="1257849" cy="327462"/>
+          </a:xfrm>
+          <a:prstGeom prst="roundRect">
+            <a:avLst/>
+          </a:prstGeom>
+          <a:solidFill>
+            <a:schemeClr val="accent5">
+              <a:lumMod val="50000"/>
+            </a:schemeClr>
+          </a:solidFill>
+        </p:spPr>
+        <p:style>
+          <a:lnRef idx="2">
+            <a:schemeClr val="accent1">
+              <a:shade val="50000"/>
+            </a:schemeClr>
+          </a:lnRef>
+          <a:fillRef idx="1">
+            <a:schemeClr val="accent1"/>
+          </a:fillRef>
+          <a:effectRef idx="0">
+            <a:schemeClr val="accent1"/>
+          </a:effectRef>
+          <a:fontRef idx="minor">
+            <a:schemeClr val="lt1"/>
+          </a:fontRef>
+        </p:style>
+        <p:txBody>
+          <a:bodyPr rtlCol="0" anchor="ctr"/>
+          <a:lstStyle/>
+          <a:p>
+            <a:pPr algn="ctr"/>
+            <a:r>
+              <a:rPr lang="en-US" sz="1100" dirty="0"/>
+              <a:t>FROM: Rotary Encoder Arduino</a:t>
+            </a:r>
+          </a:p>
+        </p:txBody>
+      </p:sp>
+      <p:sp>
+        <p:nvSpPr>
+          <p:cNvPr id="2" name="Rectangle: Rounded Corners 1">
+            <a:extLst>
+              <a:ext uri="{FF2B5EF4-FFF2-40B4-BE49-F238E27FC236}">
+                <a16:creationId xmlns:a16="http://schemas.microsoft.com/office/drawing/2014/main" id="{09578F94-C32E-2436-2737-992E2F19DE2F}"/>
+              </a:ext>
+            </a:extLst>
+          </p:cNvPr>
+          <p:cNvSpPr/>
+          <p:nvPr/>
+        </p:nvSpPr>
+        <p:spPr>
+          <a:xfrm>
+            <a:off x="4973223" y="3222176"/>
+            <a:ext cx="1257849" cy="192030"/>
+          </a:xfrm>
+          <a:prstGeom prst="roundRect">
+            <a:avLst/>
+          </a:prstGeom>
+          <a:solidFill>
+            <a:schemeClr val="accent2">
+              <a:lumMod val="75000"/>
+            </a:schemeClr>
+          </a:solidFill>
+        </p:spPr>
+        <p:style>
+          <a:lnRef idx="2">
+            <a:schemeClr val="accent1">
+              <a:shade val="50000"/>
+            </a:schemeClr>
+          </a:lnRef>
+          <a:fillRef idx="1">
+            <a:schemeClr val="accent1"/>
+          </a:fillRef>
+          <a:effectRef idx="0">
+            <a:schemeClr val="accent1"/>
+          </a:effectRef>
+          <a:fontRef idx="minor">
+            <a:schemeClr val="lt1"/>
+          </a:fontRef>
+        </p:style>
+        <p:txBody>
+          <a:bodyPr rtlCol="0" anchor="ctr"/>
+          <a:lstStyle/>
+          <a:p>
+            <a:r>
+              <a:rPr lang="en-US" sz="1100" dirty="0"/>
+              <a:t>12) Feeder Button</a:t>
+            </a:r>
+          </a:p>
+        </p:txBody>
+      </p:sp>
+      <p:cxnSp>
+        <p:nvCxnSpPr>
+          <p:cNvPr id="3" name="Straight Connector 2">
+            <a:extLst>
+              <a:ext uri="{FF2B5EF4-FFF2-40B4-BE49-F238E27FC236}">
+                <a16:creationId xmlns:a16="http://schemas.microsoft.com/office/drawing/2014/main" id="{FF04DA0B-11D2-15A2-1E2F-13D13394A780}"/>
+              </a:ext>
+            </a:extLst>
+          </p:cNvPr>
+          <p:cNvCxnSpPr>
+            <a:cxnSpLocks/>
+          </p:cNvCxnSpPr>
+          <p:nvPr/>
+        </p:nvCxnSpPr>
+        <p:spPr>
+          <a:xfrm>
+            <a:off x="4761243" y="3378350"/>
+            <a:ext cx="200964" cy="0"/>
+          </a:xfrm>
+          <a:prstGeom prst="line">
+            <a:avLst/>
+          </a:prstGeom>
+          <a:ln w="57150">
+            <a:solidFill>
+              <a:schemeClr val="accent2">
+                <a:lumMod val="75000"/>
+              </a:schemeClr>
+            </a:solidFill>
+          </a:ln>
+        </p:spPr>
+        <p:style>
+          <a:lnRef idx="1">
+            <a:schemeClr val="accent1"/>
+          </a:lnRef>
+          <a:fillRef idx="0">
+            <a:schemeClr val="accent1"/>
+          </a:fillRef>
+          <a:effectRef idx="0">
+            <a:schemeClr val="accent1"/>
+          </a:effectRef>
+          <a:fontRef idx="minor">
+            <a:schemeClr val="tx1"/>
+          </a:fontRef>
+        </p:style>
+      </p:cxnSp>
+      <p:cxnSp>
+        <p:nvCxnSpPr>
+          <p:cNvPr id="6" name="Straight Connector 5">
+            <a:extLst>
+              <a:ext uri="{FF2B5EF4-FFF2-40B4-BE49-F238E27FC236}">
+                <a16:creationId xmlns:a16="http://schemas.microsoft.com/office/drawing/2014/main" id="{2943408E-E558-C754-73DF-385EA72F2237}"/>
+              </a:ext>
+            </a:extLst>
+          </p:cNvPr>
+          <p:cNvCxnSpPr>
+            <a:cxnSpLocks/>
+            <a:endCxn id="1076" idx="1"/>
+          </p:cNvCxnSpPr>
+          <p:nvPr/>
+        </p:nvCxnSpPr>
+        <p:spPr>
+          <a:xfrm>
+            <a:off x="4699000" y="4385008"/>
+            <a:ext cx="316887" cy="161032"/>
+          </a:xfrm>
+          <a:prstGeom prst="line">
+            <a:avLst/>
+          </a:prstGeom>
+          <a:ln w="57150">
+            <a:solidFill>
+              <a:schemeClr val="accent2">
+                <a:lumMod val="75000"/>
+              </a:schemeClr>
+            </a:solidFill>
+          </a:ln>
+        </p:spPr>
+        <p:style>
+          <a:lnRef idx="1">
+            <a:schemeClr val="accent1"/>
+          </a:lnRef>
+          <a:fillRef idx="0">
+            <a:schemeClr val="accent1"/>
+          </a:fillRef>
+          <a:effectRef idx="0">
+            <a:schemeClr val="accent1"/>
+          </a:effectRef>
+          <a:fontRef idx="minor">
+            <a:schemeClr val="tx1"/>
+          </a:fontRef>
+        </p:style>
+      </p:cxnSp>
+      <p:cxnSp>
+        <p:nvCxnSpPr>
+          <p:cNvPr id="9" name="Straight Connector 8">
+            <a:extLst>
+              <a:ext uri="{FF2B5EF4-FFF2-40B4-BE49-F238E27FC236}">
+                <a16:creationId xmlns:a16="http://schemas.microsoft.com/office/drawing/2014/main" id="{914D90F2-8891-75F1-8649-2B7514F13778}"/>
+              </a:ext>
+            </a:extLst>
+          </p:cNvPr>
+          <p:cNvCxnSpPr>
+            <a:cxnSpLocks/>
+          </p:cNvCxnSpPr>
+          <p:nvPr/>
+        </p:nvCxnSpPr>
+        <p:spPr>
+          <a:xfrm>
+            <a:off x="4717792" y="4305175"/>
+            <a:ext cx="316887" cy="161032"/>
+          </a:xfrm>
+          <a:prstGeom prst="line">
+            <a:avLst/>
+          </a:prstGeom>
+          <a:ln w="57150">
+            <a:solidFill>
+              <a:schemeClr val="accent2">
+                <a:lumMod val="75000"/>
+              </a:schemeClr>
+            </a:solidFill>
+          </a:ln>
+        </p:spPr>
+        <p:style>
+          <a:lnRef idx="1">
+            <a:schemeClr val="accent1"/>
+          </a:lnRef>
+          <a:fillRef idx="0">
+            <a:schemeClr val="accent1"/>
+          </a:fillRef>
+          <a:effectRef idx="0">
+            <a:schemeClr val="accent1"/>
+          </a:effectRef>
+          <a:fontRef idx="minor">
+            <a:schemeClr val="tx1"/>
+          </a:fontRef>
+        </p:style>
+      </p:cxnSp>
+      <p:sp>
+        <p:nvSpPr>
+          <p:cNvPr id="1076" name="Rectangle: Rounded Corners 1075">
+            <a:extLst>
+              <a:ext uri="{FF2B5EF4-FFF2-40B4-BE49-F238E27FC236}">
+                <a16:creationId xmlns:a16="http://schemas.microsoft.com/office/drawing/2014/main" id="{807C40E7-9C03-6A9C-DCE6-4D32BAD8A2CB}"/>
+              </a:ext>
+            </a:extLst>
+          </p:cNvPr>
+          <p:cNvSpPr/>
+          <p:nvPr/>
+        </p:nvSpPr>
+        <p:spPr>
+          <a:xfrm>
+            <a:off x="5015887" y="4453237"/>
+            <a:ext cx="1257849" cy="185606"/>
+          </a:xfrm>
+          <a:prstGeom prst="roundRect">
+            <a:avLst/>
+          </a:prstGeom>
+          <a:solidFill>
+            <a:schemeClr val="accent2">
+              <a:lumMod val="50000"/>
+            </a:schemeClr>
+          </a:solidFill>
+        </p:spPr>
+        <p:style>
+          <a:lnRef idx="2">
+            <a:schemeClr val="accent1">
+              <a:shade val="50000"/>
+            </a:schemeClr>
+          </a:lnRef>
+          <a:fillRef idx="1">
+            <a:schemeClr val="accent1"/>
+          </a:fillRef>
+          <a:effectRef idx="0">
+            <a:schemeClr val="accent1"/>
+          </a:effectRef>
+          <a:fontRef idx="minor">
+            <a:schemeClr val="lt1"/>
+          </a:fontRef>
+        </p:style>
+        <p:txBody>
+          <a:bodyPr rtlCol="0" anchor="ctr"/>
+          <a:lstStyle/>
+          <a:p>
+            <a:pPr algn="ctr"/>
+            <a:r>
+              <a:rPr lang="en-US" sz="1100" dirty="0"/>
+              <a:t>2,3) Sound Shield</a:t>
+            </a:r>
+          </a:p>
+        </p:txBody>
+      </p:sp>
     </p:spTree>
     <p:extLst>
       <p:ext uri="{BB962C8B-B14F-4D97-AF65-F5344CB8AC3E}">
@@ -5952,6 +6145,1462 @@
           <a:chExt cx="0" cy="0"/>
         </a:xfrm>
       </p:grpSpPr>
+      <p:cxnSp>
+        <p:nvCxnSpPr>
+          <p:cNvPr id="1058" name="Straight Connector 1057">
+            <a:extLst>
+              <a:ext uri="{FF2B5EF4-FFF2-40B4-BE49-F238E27FC236}">
+                <a16:creationId xmlns:a16="http://schemas.microsoft.com/office/drawing/2014/main" id="{DC468BA7-D97A-4EDA-98F9-385FC0F7D7C1}"/>
+              </a:ext>
+            </a:extLst>
+          </p:cNvPr>
+          <p:cNvCxnSpPr>
+            <a:cxnSpLocks/>
+          </p:cNvCxnSpPr>
+          <p:nvPr/>
+        </p:nvCxnSpPr>
+        <p:spPr>
+          <a:xfrm flipV="1">
+            <a:off x="2125009" y="2792189"/>
+            <a:ext cx="0" cy="1200961"/>
+          </a:xfrm>
+          <a:prstGeom prst="line">
+            <a:avLst/>
+          </a:prstGeom>
+          <a:ln w="57150">
+            <a:solidFill>
+              <a:schemeClr val="accent6">
+                <a:lumMod val="75000"/>
+              </a:schemeClr>
+            </a:solidFill>
+          </a:ln>
+        </p:spPr>
+        <p:style>
+          <a:lnRef idx="1">
+            <a:schemeClr val="accent1"/>
+          </a:lnRef>
+          <a:fillRef idx="0">
+            <a:schemeClr val="accent1"/>
+          </a:fillRef>
+          <a:effectRef idx="0">
+            <a:schemeClr val="accent1"/>
+          </a:effectRef>
+          <a:fontRef idx="minor">
+            <a:schemeClr val="tx1"/>
+          </a:fontRef>
+        </p:style>
+      </p:cxnSp>
+      <p:cxnSp>
+        <p:nvCxnSpPr>
+          <p:cNvPr id="1047" name="Straight Connector 1046">
+            <a:extLst>
+              <a:ext uri="{FF2B5EF4-FFF2-40B4-BE49-F238E27FC236}">
+                <a16:creationId xmlns:a16="http://schemas.microsoft.com/office/drawing/2014/main" id="{3A476879-AF8E-3B83-C1CC-6F1C87819DA6}"/>
+              </a:ext>
+            </a:extLst>
+          </p:cNvPr>
+          <p:cNvCxnSpPr>
+            <a:cxnSpLocks/>
+          </p:cNvCxnSpPr>
+          <p:nvPr/>
+        </p:nvCxnSpPr>
+        <p:spPr>
+          <a:xfrm flipV="1">
+            <a:off x="2019703" y="2792189"/>
+            <a:ext cx="0" cy="1200961"/>
+          </a:xfrm>
+          <a:prstGeom prst="line">
+            <a:avLst/>
+          </a:prstGeom>
+          <a:ln w="57150">
+            <a:solidFill>
+              <a:schemeClr val="accent6">
+                <a:lumMod val="75000"/>
+              </a:schemeClr>
+            </a:solidFill>
+          </a:ln>
+        </p:spPr>
+        <p:style>
+          <a:lnRef idx="1">
+            <a:schemeClr val="accent1"/>
+          </a:lnRef>
+          <a:fillRef idx="0">
+            <a:schemeClr val="accent1"/>
+          </a:fillRef>
+          <a:effectRef idx="0">
+            <a:schemeClr val="accent1"/>
+          </a:effectRef>
+          <a:fontRef idx="minor">
+            <a:schemeClr val="tx1"/>
+          </a:fontRef>
+        </p:style>
+      </p:cxnSp>
+      <p:pic>
+        <p:nvPicPr>
+          <p:cNvPr id="1026" name="Picture 2">
+            <a:extLst>
+              <a:ext uri="{FF2B5EF4-FFF2-40B4-BE49-F238E27FC236}">
+                <a16:creationId xmlns:a16="http://schemas.microsoft.com/office/drawing/2014/main" id="{5D229A08-B296-A9DD-F302-62B6DD59BEF5}"/>
+              </a:ext>
+            </a:extLst>
+          </p:cNvPr>
+          <p:cNvPicPr>
+            <a:picLocks noChangeAspect="1" noChangeArrowheads="1"/>
+          </p:cNvPicPr>
+          <p:nvPr/>
+        </p:nvPicPr>
+        <p:blipFill rotWithShape="1">
+          <a:blip r:embed="rId2">
+            <a:extLst>
+              <a:ext uri="{28A0092B-C50C-407E-A947-70E740481C1C}">
+                <a14:useLocalDpi xmlns:a14="http://schemas.microsoft.com/office/drawing/2010/main" val="0"/>
+              </a:ext>
+            </a:extLst>
+          </a:blip>
+          <a:srcRect l="4269" t="17595" b="18263"/>
+          <a:stretch/>
+        </p:blipFill>
+        <p:spPr bwMode="auto">
+          <a:xfrm rot="5400000">
+            <a:off x="2326397" y="2425095"/>
+            <a:ext cx="2933132" cy="1965277"/>
+          </a:xfrm>
+          <a:prstGeom prst="rect">
+            <a:avLst/>
+          </a:prstGeom>
+          <a:noFill/>
+          <a:extLst>
+            <a:ext uri="{909E8E84-426E-40DD-AFC4-6F175D3DCCD1}">
+              <a14:hiddenFill xmlns:a14="http://schemas.microsoft.com/office/drawing/2010/main">
+                <a:solidFill>
+                  <a:srgbClr val="FFFFFF"/>
+                </a:solidFill>
+              </a14:hiddenFill>
+            </a:ext>
+          </a:extLst>
+        </p:spPr>
+      </p:pic>
+      <p:cxnSp>
+        <p:nvCxnSpPr>
+          <p:cNvPr id="20" name="Straight Connector 19">
+            <a:extLst>
+              <a:ext uri="{FF2B5EF4-FFF2-40B4-BE49-F238E27FC236}">
+                <a16:creationId xmlns:a16="http://schemas.microsoft.com/office/drawing/2014/main" id="{151F6060-5D38-64E0-B270-57ED6EBF0948}"/>
+              </a:ext>
+            </a:extLst>
+          </p:cNvPr>
+          <p:cNvCxnSpPr>
+            <a:cxnSpLocks/>
+          </p:cNvCxnSpPr>
+          <p:nvPr/>
+        </p:nvCxnSpPr>
+        <p:spPr>
+          <a:xfrm>
+            <a:off x="2612082" y="3718220"/>
+            <a:ext cx="200963" cy="0"/>
+          </a:xfrm>
+          <a:prstGeom prst="line">
+            <a:avLst/>
+          </a:prstGeom>
+          <a:ln w="57150">
+            <a:solidFill>
+              <a:schemeClr val="tx1">
+                <a:lumMod val="95000"/>
+                <a:lumOff val="5000"/>
+              </a:schemeClr>
+            </a:solidFill>
+          </a:ln>
+        </p:spPr>
+        <p:style>
+          <a:lnRef idx="1">
+            <a:schemeClr val="accent1"/>
+          </a:lnRef>
+          <a:fillRef idx="0">
+            <a:schemeClr val="accent1"/>
+          </a:fillRef>
+          <a:effectRef idx="0">
+            <a:schemeClr val="accent1"/>
+          </a:effectRef>
+          <a:fontRef idx="minor">
+            <a:schemeClr val="tx1"/>
+          </a:fontRef>
+        </p:style>
+      </p:cxnSp>
+      <p:cxnSp>
+        <p:nvCxnSpPr>
+          <p:cNvPr id="21" name="Straight Connector 20">
+            <a:extLst>
+              <a:ext uri="{FF2B5EF4-FFF2-40B4-BE49-F238E27FC236}">
+                <a16:creationId xmlns:a16="http://schemas.microsoft.com/office/drawing/2014/main" id="{270E9D04-EAAF-D817-105D-63515676E459}"/>
+              </a:ext>
+            </a:extLst>
+          </p:cNvPr>
+          <p:cNvCxnSpPr>
+            <a:cxnSpLocks/>
+          </p:cNvCxnSpPr>
+          <p:nvPr/>
+        </p:nvCxnSpPr>
+        <p:spPr>
+          <a:xfrm>
+            <a:off x="2612081" y="3630590"/>
+            <a:ext cx="200964" cy="0"/>
+          </a:xfrm>
+          <a:prstGeom prst="line">
+            <a:avLst/>
+          </a:prstGeom>
+          <a:ln w="57150">
+            <a:solidFill>
+              <a:srgbClr val="FF0000"/>
+            </a:solidFill>
+          </a:ln>
+        </p:spPr>
+        <p:style>
+          <a:lnRef idx="1">
+            <a:schemeClr val="accent1"/>
+          </a:lnRef>
+          <a:fillRef idx="0">
+            <a:schemeClr val="accent1"/>
+          </a:fillRef>
+          <a:effectRef idx="0">
+            <a:schemeClr val="accent1"/>
+          </a:effectRef>
+          <a:fontRef idx="minor">
+            <a:schemeClr val="tx1"/>
+          </a:fontRef>
+        </p:style>
+      </p:cxnSp>
+      <p:sp>
+        <p:nvSpPr>
+          <p:cNvPr id="23" name="Rectangle: Rounded Corners 22">
+            <a:extLst>
+              <a:ext uri="{FF2B5EF4-FFF2-40B4-BE49-F238E27FC236}">
+                <a16:creationId xmlns:a16="http://schemas.microsoft.com/office/drawing/2014/main" id="{7F929C79-5889-8F34-8F43-29699F082E4A}"/>
+              </a:ext>
+            </a:extLst>
+          </p:cNvPr>
+          <p:cNvSpPr/>
+          <p:nvPr/>
+        </p:nvSpPr>
+        <p:spPr>
+          <a:xfrm>
+            <a:off x="1747455" y="4855451"/>
+            <a:ext cx="1320865" cy="368299"/>
+          </a:xfrm>
+          <a:prstGeom prst="roundRect">
+            <a:avLst/>
+          </a:prstGeom>
+          <a:solidFill>
+            <a:srgbClr val="7030A0"/>
+          </a:solidFill>
+        </p:spPr>
+        <p:style>
+          <a:lnRef idx="2">
+            <a:schemeClr val="accent1">
+              <a:shade val="50000"/>
+            </a:schemeClr>
+          </a:lnRef>
+          <a:fillRef idx="1">
+            <a:schemeClr val="accent1"/>
+          </a:fillRef>
+          <a:effectRef idx="0">
+            <a:schemeClr val="accent1"/>
+          </a:effectRef>
+          <a:fontRef idx="minor">
+            <a:schemeClr val="lt1"/>
+          </a:fontRef>
+        </p:style>
+        <p:txBody>
+          <a:bodyPr rtlCol="0" anchor="ctr"/>
+          <a:lstStyle/>
+          <a:p>
+            <a:pPr algn="ctr"/>
+            <a:r>
+              <a:rPr lang="en-US" sz="1100" dirty="0"/>
+              <a:t>TO: Data Acquisition System</a:t>
+            </a:r>
+          </a:p>
+        </p:txBody>
+      </p:sp>
+      <p:cxnSp>
+        <p:nvCxnSpPr>
+          <p:cNvPr id="36" name="Straight Connector 35">
+            <a:extLst>
+              <a:ext uri="{FF2B5EF4-FFF2-40B4-BE49-F238E27FC236}">
+                <a16:creationId xmlns:a16="http://schemas.microsoft.com/office/drawing/2014/main" id="{B5DF64A5-65F6-E504-E86E-CD8888858044}"/>
+              </a:ext>
+            </a:extLst>
+          </p:cNvPr>
+          <p:cNvCxnSpPr>
+            <a:cxnSpLocks/>
+          </p:cNvCxnSpPr>
+          <p:nvPr/>
+        </p:nvCxnSpPr>
+        <p:spPr>
+          <a:xfrm>
+            <a:off x="4751606" y="4363741"/>
+            <a:ext cx="200963" cy="0"/>
+          </a:xfrm>
+          <a:prstGeom prst="line">
+            <a:avLst/>
+          </a:prstGeom>
+          <a:ln w="57150"/>
+        </p:spPr>
+        <p:style>
+          <a:lnRef idx="1">
+            <a:schemeClr val="accent1"/>
+          </a:lnRef>
+          <a:fillRef idx="0">
+            <a:schemeClr val="accent1"/>
+          </a:fillRef>
+          <a:effectRef idx="0">
+            <a:schemeClr val="accent1"/>
+          </a:effectRef>
+          <a:fontRef idx="minor">
+            <a:schemeClr val="tx1"/>
+          </a:fontRef>
+        </p:style>
+      </p:cxnSp>
+      <p:sp>
+        <p:nvSpPr>
+          <p:cNvPr id="37" name="Rectangle: Rounded Corners 36">
+            <a:extLst>
+              <a:ext uri="{FF2B5EF4-FFF2-40B4-BE49-F238E27FC236}">
+                <a16:creationId xmlns:a16="http://schemas.microsoft.com/office/drawing/2014/main" id="{F766D16C-524B-9CC4-C1AF-73B1FF0B10C8}"/>
+              </a:ext>
+            </a:extLst>
+          </p:cNvPr>
+          <p:cNvSpPr/>
+          <p:nvPr/>
+        </p:nvSpPr>
+        <p:spPr>
+          <a:xfrm>
+            <a:off x="4972707" y="3914435"/>
+            <a:ext cx="1099188" cy="655318"/>
+          </a:xfrm>
+          <a:prstGeom prst="roundRect">
+            <a:avLst/>
+          </a:prstGeom>
+        </p:spPr>
+        <p:style>
+          <a:lnRef idx="2">
+            <a:schemeClr val="accent1">
+              <a:shade val="50000"/>
+            </a:schemeClr>
+          </a:lnRef>
+          <a:fillRef idx="1">
+            <a:schemeClr val="accent1"/>
+          </a:fillRef>
+          <a:effectRef idx="0">
+            <a:schemeClr val="accent1"/>
+          </a:effectRef>
+          <a:fontRef idx="minor">
+            <a:schemeClr val="lt1"/>
+          </a:fontRef>
+        </p:style>
+        <p:txBody>
+          <a:bodyPr rtlCol="0" anchor="ctr"/>
+          <a:lstStyle/>
+          <a:p>
+            <a:r>
+              <a:rPr lang="en-US" sz="1100" dirty="0"/>
+              <a:t>5) Rot2 B</a:t>
+            </a:r>
+          </a:p>
+          <a:p>
+            <a:r>
+              <a:rPr lang="en-US" sz="1100" dirty="0"/>
+              <a:t>4) Rot1 B</a:t>
+            </a:r>
+          </a:p>
+          <a:p>
+            <a:r>
+              <a:rPr lang="en-US" sz="1100" dirty="0"/>
+              <a:t>3) Rot2 A</a:t>
+            </a:r>
+          </a:p>
+          <a:p>
+            <a:r>
+              <a:rPr lang="en-US" sz="1100" dirty="0"/>
+              <a:t>2) Rot1 A</a:t>
+            </a:r>
+          </a:p>
+        </p:txBody>
+      </p:sp>
+      <p:cxnSp>
+        <p:nvCxnSpPr>
+          <p:cNvPr id="38" name="Straight Connector 37">
+            <a:extLst>
+              <a:ext uri="{FF2B5EF4-FFF2-40B4-BE49-F238E27FC236}">
+                <a16:creationId xmlns:a16="http://schemas.microsoft.com/office/drawing/2014/main" id="{743D56AE-ED82-8C8B-66B4-CACA24A1407D}"/>
+              </a:ext>
+            </a:extLst>
+          </p:cNvPr>
+          <p:cNvCxnSpPr>
+            <a:cxnSpLocks/>
+          </p:cNvCxnSpPr>
+          <p:nvPr/>
+        </p:nvCxnSpPr>
+        <p:spPr>
+          <a:xfrm>
+            <a:off x="4751605" y="4276111"/>
+            <a:ext cx="200964" cy="0"/>
+          </a:xfrm>
+          <a:prstGeom prst="line">
+            <a:avLst/>
+          </a:prstGeom>
+          <a:ln w="57150"/>
+        </p:spPr>
+        <p:style>
+          <a:lnRef idx="1">
+            <a:schemeClr val="accent1"/>
+          </a:lnRef>
+          <a:fillRef idx="0">
+            <a:schemeClr val="accent1"/>
+          </a:fillRef>
+          <a:effectRef idx="0">
+            <a:schemeClr val="accent1"/>
+          </a:effectRef>
+          <a:fontRef idx="minor">
+            <a:schemeClr val="tx1"/>
+          </a:fontRef>
+        </p:style>
+      </p:cxnSp>
+      <p:cxnSp>
+        <p:nvCxnSpPr>
+          <p:cNvPr id="39" name="Straight Connector 38">
+            <a:extLst>
+              <a:ext uri="{FF2B5EF4-FFF2-40B4-BE49-F238E27FC236}">
+                <a16:creationId xmlns:a16="http://schemas.microsoft.com/office/drawing/2014/main" id="{A49F4C71-BFB5-C6FF-EDDD-B79BB9021CC4}"/>
+              </a:ext>
+            </a:extLst>
+          </p:cNvPr>
+          <p:cNvCxnSpPr>
+            <a:cxnSpLocks/>
+          </p:cNvCxnSpPr>
+          <p:nvPr/>
+        </p:nvCxnSpPr>
+        <p:spPr>
+          <a:xfrm>
+            <a:off x="4751606" y="4190386"/>
+            <a:ext cx="200963" cy="0"/>
+          </a:xfrm>
+          <a:prstGeom prst="line">
+            <a:avLst/>
+          </a:prstGeom>
+          <a:ln w="57150"/>
+        </p:spPr>
+        <p:style>
+          <a:lnRef idx="1">
+            <a:schemeClr val="accent1"/>
+          </a:lnRef>
+          <a:fillRef idx="0">
+            <a:schemeClr val="accent1"/>
+          </a:fillRef>
+          <a:effectRef idx="0">
+            <a:schemeClr val="accent1"/>
+          </a:effectRef>
+          <a:fontRef idx="minor">
+            <a:schemeClr val="tx1"/>
+          </a:fontRef>
+        </p:style>
+      </p:cxnSp>
+      <p:cxnSp>
+        <p:nvCxnSpPr>
+          <p:cNvPr id="40" name="Straight Connector 39">
+            <a:extLst>
+              <a:ext uri="{FF2B5EF4-FFF2-40B4-BE49-F238E27FC236}">
+                <a16:creationId xmlns:a16="http://schemas.microsoft.com/office/drawing/2014/main" id="{22999444-E3D2-1F44-C3EA-66AA70F87960}"/>
+              </a:ext>
+            </a:extLst>
+          </p:cNvPr>
+          <p:cNvCxnSpPr>
+            <a:cxnSpLocks/>
+          </p:cNvCxnSpPr>
+          <p:nvPr/>
+        </p:nvCxnSpPr>
+        <p:spPr>
+          <a:xfrm>
+            <a:off x="4751605" y="4093231"/>
+            <a:ext cx="200964" cy="0"/>
+          </a:xfrm>
+          <a:prstGeom prst="line">
+            <a:avLst/>
+          </a:prstGeom>
+          <a:ln w="57150"/>
+        </p:spPr>
+        <p:style>
+          <a:lnRef idx="1">
+            <a:schemeClr val="accent1"/>
+          </a:lnRef>
+          <a:fillRef idx="0">
+            <a:schemeClr val="accent1"/>
+          </a:fillRef>
+          <a:effectRef idx="0">
+            <a:schemeClr val="accent1"/>
+          </a:effectRef>
+          <a:fontRef idx="minor">
+            <a:schemeClr val="tx1"/>
+          </a:fontRef>
+        </p:style>
+      </p:cxnSp>
+      <p:sp>
+        <p:nvSpPr>
+          <p:cNvPr id="44" name="Rectangle: Rounded Corners 43">
+            <a:extLst>
+              <a:ext uri="{FF2B5EF4-FFF2-40B4-BE49-F238E27FC236}">
+                <a16:creationId xmlns:a16="http://schemas.microsoft.com/office/drawing/2014/main" id="{009BB7BE-0DFE-7FFD-F08E-1CFB97356832}"/>
+              </a:ext>
+            </a:extLst>
+          </p:cNvPr>
+          <p:cNvSpPr/>
+          <p:nvPr/>
+        </p:nvSpPr>
+        <p:spPr>
+          <a:xfrm>
+            <a:off x="4972707" y="4604747"/>
+            <a:ext cx="1099188" cy="368299"/>
+          </a:xfrm>
+          <a:prstGeom prst="roundRect">
+            <a:avLst/>
+          </a:prstGeom>
+        </p:spPr>
+        <p:style>
+          <a:lnRef idx="2">
+            <a:schemeClr val="accent1">
+              <a:shade val="50000"/>
+            </a:schemeClr>
+          </a:lnRef>
+          <a:fillRef idx="1">
+            <a:schemeClr val="accent1"/>
+          </a:fillRef>
+          <a:effectRef idx="0">
+            <a:schemeClr val="accent1"/>
+          </a:effectRef>
+          <a:fontRef idx="minor">
+            <a:schemeClr val="lt1"/>
+          </a:fontRef>
+        </p:style>
+        <p:txBody>
+          <a:bodyPr rtlCol="0" anchor="ctr"/>
+          <a:lstStyle/>
+          <a:p>
+            <a:pPr algn="ctr"/>
+            <a:r>
+              <a:rPr lang="en-US" sz="1000" dirty="0"/>
+              <a:t>FROM: Rotary Encoders</a:t>
+            </a:r>
+          </a:p>
+        </p:txBody>
+      </p:sp>
+      <p:sp>
+        <p:nvSpPr>
+          <p:cNvPr id="46" name="Rectangle: Rounded Corners 45">
+            <a:extLst>
+              <a:ext uri="{FF2B5EF4-FFF2-40B4-BE49-F238E27FC236}">
+                <a16:creationId xmlns:a16="http://schemas.microsoft.com/office/drawing/2014/main" id="{129C59D0-0927-76B8-94E1-D65A5E3D94D7}"/>
+              </a:ext>
+            </a:extLst>
+          </p:cNvPr>
+          <p:cNvSpPr/>
+          <p:nvPr/>
+        </p:nvSpPr>
+        <p:spPr>
+          <a:xfrm>
+            <a:off x="1736112" y="3499615"/>
+            <a:ext cx="610252" cy="350418"/>
+          </a:xfrm>
+          <a:prstGeom prst="roundRect">
+            <a:avLst/>
+          </a:prstGeom>
+          <a:solidFill>
+            <a:schemeClr val="accent6">
+              <a:lumMod val="75000"/>
+            </a:schemeClr>
+          </a:solidFill>
+        </p:spPr>
+        <p:style>
+          <a:lnRef idx="2">
+            <a:schemeClr val="accent1">
+              <a:shade val="50000"/>
+            </a:schemeClr>
+          </a:lnRef>
+          <a:fillRef idx="1">
+            <a:schemeClr val="accent1"/>
+          </a:fillRef>
+          <a:effectRef idx="0">
+            <a:schemeClr val="accent1"/>
+          </a:effectRef>
+          <a:fontRef idx="minor">
+            <a:schemeClr val="lt1"/>
+          </a:fontRef>
+        </p:style>
+        <p:txBody>
+          <a:bodyPr rtlCol="0" anchor="ctr"/>
+          <a:lstStyle/>
+          <a:p>
+            <a:pPr algn="ctr"/>
+            <a:r>
+              <a:rPr lang="en-US" sz="1100" dirty="0"/>
+              <a:t>TO: Relays</a:t>
+            </a:r>
+          </a:p>
+        </p:txBody>
+      </p:sp>
+      <p:cxnSp>
+        <p:nvCxnSpPr>
+          <p:cNvPr id="62" name="Straight Connector 61">
+            <a:extLst>
+              <a:ext uri="{FF2B5EF4-FFF2-40B4-BE49-F238E27FC236}">
+                <a16:creationId xmlns:a16="http://schemas.microsoft.com/office/drawing/2014/main" id="{D121135E-315F-87DC-8017-D6A6D6E0B554}"/>
+              </a:ext>
+            </a:extLst>
+          </p:cNvPr>
+          <p:cNvCxnSpPr>
+            <a:cxnSpLocks/>
+          </p:cNvCxnSpPr>
+          <p:nvPr/>
+        </p:nvCxnSpPr>
+        <p:spPr>
+          <a:xfrm flipH="1" flipV="1">
+            <a:off x="2334240" y="2637667"/>
+            <a:ext cx="460018" cy="984345"/>
+          </a:xfrm>
+          <a:prstGeom prst="line">
+            <a:avLst/>
+          </a:prstGeom>
+          <a:ln w="57150">
+            <a:solidFill>
+              <a:srgbClr val="FF0000"/>
+            </a:solidFill>
+          </a:ln>
+        </p:spPr>
+        <p:style>
+          <a:lnRef idx="1">
+            <a:schemeClr val="accent1"/>
+          </a:lnRef>
+          <a:fillRef idx="0">
+            <a:schemeClr val="accent1"/>
+          </a:fillRef>
+          <a:effectRef idx="0">
+            <a:schemeClr val="accent1"/>
+          </a:effectRef>
+          <a:fontRef idx="minor">
+            <a:schemeClr val="tx1"/>
+          </a:fontRef>
+        </p:style>
+      </p:cxnSp>
+      <p:sp>
+        <p:nvSpPr>
+          <p:cNvPr id="58" name="Rectangle 57">
+            <a:extLst>
+              <a:ext uri="{FF2B5EF4-FFF2-40B4-BE49-F238E27FC236}">
+                <a16:creationId xmlns:a16="http://schemas.microsoft.com/office/drawing/2014/main" id="{F8A8CFBE-E7F1-C44E-CCCB-484EAF1C9AC7}"/>
+              </a:ext>
+            </a:extLst>
+          </p:cNvPr>
+          <p:cNvSpPr/>
+          <p:nvPr/>
+        </p:nvSpPr>
+        <p:spPr>
+          <a:xfrm>
+            <a:off x="1710631" y="2254126"/>
+            <a:ext cx="1011936" cy="595817"/>
+          </a:xfrm>
+          <a:prstGeom prst="rect">
+            <a:avLst/>
+          </a:prstGeom>
+          <a:solidFill>
+            <a:schemeClr val="accent4">
+              <a:lumMod val="50000"/>
+            </a:schemeClr>
+          </a:solidFill>
+        </p:spPr>
+        <p:style>
+          <a:lnRef idx="2">
+            <a:schemeClr val="accent1">
+              <a:shade val="50000"/>
+            </a:schemeClr>
+          </a:lnRef>
+          <a:fillRef idx="1">
+            <a:schemeClr val="accent1"/>
+          </a:fillRef>
+          <a:effectRef idx="0">
+            <a:schemeClr val="accent1"/>
+          </a:effectRef>
+          <a:fontRef idx="minor">
+            <a:schemeClr val="lt1"/>
+          </a:fontRef>
+        </p:style>
+        <p:txBody>
+          <a:bodyPr rtlCol="0" anchor="ctr"/>
+          <a:lstStyle/>
+          <a:p>
+            <a:pPr algn="ctr"/>
+            <a:r>
+              <a:rPr lang="en-US" dirty="0"/>
+              <a:t>Feeder Relay</a:t>
+            </a:r>
+          </a:p>
+        </p:txBody>
+      </p:sp>
+      <p:sp>
+        <p:nvSpPr>
+          <p:cNvPr id="1035" name="Rectangle: Rounded Corners 1034">
+            <a:extLst>
+              <a:ext uri="{FF2B5EF4-FFF2-40B4-BE49-F238E27FC236}">
+                <a16:creationId xmlns:a16="http://schemas.microsoft.com/office/drawing/2014/main" id="{F7BCFD66-C09D-89AB-2D64-6E07E1472F83}"/>
+              </a:ext>
+            </a:extLst>
+          </p:cNvPr>
+          <p:cNvSpPr/>
+          <p:nvPr/>
+        </p:nvSpPr>
+        <p:spPr>
+          <a:xfrm>
+            <a:off x="1747455" y="4447044"/>
+            <a:ext cx="819435" cy="368300"/>
+          </a:xfrm>
+          <a:prstGeom prst="roundRect">
+            <a:avLst/>
+          </a:prstGeom>
+          <a:solidFill>
+            <a:srgbClr val="7030A0"/>
+          </a:solidFill>
+        </p:spPr>
+        <p:style>
+          <a:lnRef idx="2">
+            <a:schemeClr val="accent1">
+              <a:shade val="50000"/>
+            </a:schemeClr>
+          </a:lnRef>
+          <a:fillRef idx="1">
+            <a:schemeClr val="accent1"/>
+          </a:fillRef>
+          <a:effectRef idx="0">
+            <a:schemeClr val="accent1"/>
+          </a:effectRef>
+          <a:fontRef idx="minor">
+            <a:schemeClr val="lt1"/>
+          </a:fontRef>
+        </p:style>
+        <p:txBody>
+          <a:bodyPr rtlCol="0" anchor="ctr"/>
+          <a:lstStyle/>
+          <a:p>
+            <a:r>
+              <a:rPr lang="en-US" sz="1100" dirty="0"/>
+              <a:t>18) Clock</a:t>
+            </a:r>
+          </a:p>
+          <a:p>
+            <a:r>
+              <a:rPr lang="en-US" sz="1100" dirty="0"/>
+              <a:t>19) Signal</a:t>
+            </a:r>
+          </a:p>
+        </p:txBody>
+      </p:sp>
+      <p:cxnSp>
+        <p:nvCxnSpPr>
+          <p:cNvPr id="1036" name="Straight Connector 1035">
+            <a:extLst>
+              <a:ext uri="{FF2B5EF4-FFF2-40B4-BE49-F238E27FC236}">
+                <a16:creationId xmlns:a16="http://schemas.microsoft.com/office/drawing/2014/main" id="{0C167046-A3B1-9C1B-D7FB-7F7D323CA362}"/>
+              </a:ext>
+            </a:extLst>
+          </p:cNvPr>
+          <p:cNvCxnSpPr>
+            <a:cxnSpLocks/>
+          </p:cNvCxnSpPr>
+          <p:nvPr/>
+        </p:nvCxnSpPr>
+        <p:spPr>
+          <a:xfrm>
+            <a:off x="2588126" y="4569753"/>
+            <a:ext cx="200963" cy="0"/>
+          </a:xfrm>
+          <a:prstGeom prst="line">
+            <a:avLst/>
+          </a:prstGeom>
+          <a:ln w="57150">
+            <a:solidFill>
+              <a:srgbClr val="7030A0"/>
+            </a:solidFill>
+          </a:ln>
+        </p:spPr>
+        <p:style>
+          <a:lnRef idx="1">
+            <a:schemeClr val="accent1"/>
+          </a:lnRef>
+          <a:fillRef idx="0">
+            <a:schemeClr val="accent1"/>
+          </a:fillRef>
+          <a:effectRef idx="0">
+            <a:schemeClr val="accent1"/>
+          </a:effectRef>
+          <a:fontRef idx="minor">
+            <a:schemeClr val="tx1"/>
+          </a:fontRef>
+        </p:style>
+      </p:cxnSp>
+      <p:cxnSp>
+        <p:nvCxnSpPr>
+          <p:cNvPr id="1037" name="Straight Connector 1036">
+            <a:extLst>
+              <a:ext uri="{FF2B5EF4-FFF2-40B4-BE49-F238E27FC236}">
+                <a16:creationId xmlns:a16="http://schemas.microsoft.com/office/drawing/2014/main" id="{67C7812E-4C8E-7B50-6ED4-0438C483AFEC}"/>
+              </a:ext>
+            </a:extLst>
+          </p:cNvPr>
+          <p:cNvCxnSpPr>
+            <a:cxnSpLocks/>
+          </p:cNvCxnSpPr>
+          <p:nvPr/>
+        </p:nvCxnSpPr>
+        <p:spPr>
+          <a:xfrm>
+            <a:off x="2588125" y="4482123"/>
+            <a:ext cx="200964" cy="0"/>
+          </a:xfrm>
+          <a:prstGeom prst="line">
+            <a:avLst/>
+          </a:prstGeom>
+          <a:ln w="57150">
+            <a:solidFill>
+              <a:srgbClr val="7030A0"/>
+            </a:solidFill>
+          </a:ln>
+        </p:spPr>
+        <p:style>
+          <a:lnRef idx="1">
+            <a:schemeClr val="accent1"/>
+          </a:lnRef>
+          <a:fillRef idx="0">
+            <a:schemeClr val="accent1"/>
+          </a:fillRef>
+          <a:effectRef idx="0">
+            <a:schemeClr val="accent1"/>
+          </a:effectRef>
+          <a:fontRef idx="minor">
+            <a:schemeClr val="tx1"/>
+          </a:fontRef>
+        </p:style>
+      </p:cxnSp>
+      <p:sp>
+        <p:nvSpPr>
+          <p:cNvPr id="1040" name="TextBox 1039">
+            <a:extLst>
+              <a:ext uri="{FF2B5EF4-FFF2-40B4-BE49-F238E27FC236}">
+                <a16:creationId xmlns:a16="http://schemas.microsoft.com/office/drawing/2014/main" id="{0C062023-6C84-B20F-2EED-5C5B9765FD89}"/>
+              </a:ext>
+            </a:extLst>
+          </p:cNvPr>
+          <p:cNvSpPr txBox="1"/>
+          <p:nvPr/>
+        </p:nvSpPr>
+        <p:spPr>
+          <a:xfrm>
+            <a:off x="2340167" y="3540131"/>
+            <a:ext cx="330540" cy="276999"/>
+          </a:xfrm>
+          <a:prstGeom prst="rect">
+            <a:avLst/>
+          </a:prstGeom>
+          <a:noFill/>
+        </p:spPr>
+        <p:txBody>
+          <a:bodyPr wrap="none" rtlCol="0">
+            <a:spAutoFit/>
+          </a:bodyPr>
+          <a:lstStyle/>
+          <a:p>
+            <a:r>
+              <a:rPr lang="en-US" sz="600" dirty="0"/>
+              <a:t>5V</a:t>
+            </a:r>
+          </a:p>
+          <a:p>
+            <a:r>
+              <a:rPr lang="en-US" sz="600" dirty="0"/>
+              <a:t>GND</a:t>
+            </a:r>
+          </a:p>
+        </p:txBody>
+      </p:sp>
+      <p:sp>
+        <p:nvSpPr>
+          <p:cNvPr id="1052" name="Rectangle: Rounded Corners 1051">
+            <a:extLst>
+              <a:ext uri="{FF2B5EF4-FFF2-40B4-BE49-F238E27FC236}">
+                <a16:creationId xmlns:a16="http://schemas.microsoft.com/office/drawing/2014/main" id="{6EC1540E-FD01-1666-28D0-C7A6B9751FA0}"/>
+              </a:ext>
+            </a:extLst>
+          </p:cNvPr>
+          <p:cNvSpPr/>
+          <p:nvPr/>
+        </p:nvSpPr>
+        <p:spPr>
+          <a:xfrm>
+            <a:off x="1736181" y="3887976"/>
+            <a:ext cx="833858" cy="331432"/>
+          </a:xfrm>
+          <a:prstGeom prst="roundRect">
+            <a:avLst/>
+          </a:prstGeom>
+          <a:solidFill>
+            <a:schemeClr val="accent6">
+              <a:lumMod val="75000"/>
+            </a:schemeClr>
+          </a:solidFill>
+        </p:spPr>
+        <p:style>
+          <a:lnRef idx="2">
+            <a:schemeClr val="accent1">
+              <a:shade val="50000"/>
+            </a:schemeClr>
+          </a:lnRef>
+          <a:fillRef idx="1">
+            <a:schemeClr val="accent1"/>
+          </a:fillRef>
+          <a:effectRef idx="0">
+            <a:schemeClr val="accent1"/>
+          </a:effectRef>
+          <a:fontRef idx="minor">
+            <a:schemeClr val="lt1"/>
+          </a:fontRef>
+        </p:style>
+        <p:txBody>
+          <a:bodyPr rtlCol="0" anchor="ctr"/>
+          <a:lstStyle/>
+          <a:p>
+            <a:r>
+              <a:rPr lang="en-US" sz="1100" dirty="0"/>
+              <a:t>14) Relay1</a:t>
+            </a:r>
+          </a:p>
+          <a:p>
+            <a:r>
+              <a:rPr lang="en-US" sz="1100" dirty="0"/>
+              <a:t>15) Relay2</a:t>
+            </a:r>
+          </a:p>
+        </p:txBody>
+      </p:sp>
+      <p:cxnSp>
+        <p:nvCxnSpPr>
+          <p:cNvPr id="1070" name="Straight Connector 1069">
+            <a:extLst>
+              <a:ext uri="{FF2B5EF4-FFF2-40B4-BE49-F238E27FC236}">
+                <a16:creationId xmlns:a16="http://schemas.microsoft.com/office/drawing/2014/main" id="{C325F6EF-E0DD-AD33-D26F-A84D8BE50B0E}"/>
+              </a:ext>
+            </a:extLst>
+          </p:cNvPr>
+          <p:cNvCxnSpPr>
+            <a:cxnSpLocks/>
+          </p:cNvCxnSpPr>
+          <p:nvPr/>
+        </p:nvCxnSpPr>
+        <p:spPr>
+          <a:xfrm>
+            <a:off x="2588126" y="4190386"/>
+            <a:ext cx="200963" cy="0"/>
+          </a:xfrm>
+          <a:prstGeom prst="line">
+            <a:avLst/>
+          </a:prstGeom>
+          <a:ln w="57150">
+            <a:solidFill>
+              <a:schemeClr val="accent6">
+                <a:lumMod val="75000"/>
+              </a:schemeClr>
+            </a:solidFill>
+          </a:ln>
+        </p:spPr>
+        <p:style>
+          <a:lnRef idx="1">
+            <a:schemeClr val="accent1"/>
+          </a:lnRef>
+          <a:fillRef idx="0">
+            <a:schemeClr val="accent1"/>
+          </a:fillRef>
+          <a:effectRef idx="0">
+            <a:schemeClr val="accent1"/>
+          </a:effectRef>
+          <a:fontRef idx="minor">
+            <a:schemeClr val="tx1"/>
+          </a:fontRef>
+        </p:style>
+      </p:cxnSp>
+      <p:cxnSp>
+        <p:nvCxnSpPr>
+          <p:cNvPr id="1071" name="Straight Connector 1070">
+            <a:extLst>
+              <a:ext uri="{FF2B5EF4-FFF2-40B4-BE49-F238E27FC236}">
+                <a16:creationId xmlns:a16="http://schemas.microsoft.com/office/drawing/2014/main" id="{54953292-DBD1-CBC8-5ADA-E3533AA22A9A}"/>
+              </a:ext>
+            </a:extLst>
+          </p:cNvPr>
+          <p:cNvCxnSpPr>
+            <a:cxnSpLocks/>
+          </p:cNvCxnSpPr>
+          <p:nvPr/>
+        </p:nvCxnSpPr>
+        <p:spPr>
+          <a:xfrm>
+            <a:off x="2588125" y="4102756"/>
+            <a:ext cx="200964" cy="0"/>
+          </a:xfrm>
+          <a:prstGeom prst="line">
+            <a:avLst/>
+          </a:prstGeom>
+          <a:ln w="57150">
+            <a:solidFill>
+              <a:schemeClr val="accent6">
+                <a:lumMod val="75000"/>
+              </a:schemeClr>
+            </a:solidFill>
+          </a:ln>
+        </p:spPr>
+        <p:style>
+          <a:lnRef idx="1">
+            <a:schemeClr val="accent1"/>
+          </a:lnRef>
+          <a:fillRef idx="0">
+            <a:schemeClr val="accent1"/>
+          </a:fillRef>
+          <a:effectRef idx="0">
+            <a:schemeClr val="accent1"/>
+          </a:effectRef>
+          <a:fontRef idx="minor">
+            <a:schemeClr val="tx1"/>
+          </a:fontRef>
+        </p:style>
+      </p:cxnSp>
+      <p:sp>
+        <p:nvSpPr>
+          <p:cNvPr id="1072" name="Rectangle: Rounded Corners 1071">
+            <a:extLst>
+              <a:ext uri="{FF2B5EF4-FFF2-40B4-BE49-F238E27FC236}">
+                <a16:creationId xmlns:a16="http://schemas.microsoft.com/office/drawing/2014/main" id="{2B04E08F-F3CF-1F51-AE80-F2B5CF842928}"/>
+              </a:ext>
+            </a:extLst>
+          </p:cNvPr>
+          <p:cNvSpPr/>
+          <p:nvPr/>
+        </p:nvSpPr>
+        <p:spPr>
+          <a:xfrm>
+            <a:off x="1710630" y="1941167"/>
+            <a:ext cx="568259" cy="286675"/>
+          </a:xfrm>
+          <a:prstGeom prst="roundRect">
+            <a:avLst/>
+          </a:prstGeom>
+          <a:solidFill>
+            <a:srgbClr val="002060"/>
+          </a:solidFill>
+        </p:spPr>
+        <p:style>
+          <a:lnRef idx="2">
+            <a:schemeClr val="accent1">
+              <a:shade val="50000"/>
+            </a:schemeClr>
+          </a:lnRef>
+          <a:fillRef idx="1">
+            <a:schemeClr val="accent1"/>
+          </a:fillRef>
+          <a:effectRef idx="0">
+            <a:schemeClr val="accent1"/>
+          </a:effectRef>
+          <a:fontRef idx="minor">
+            <a:schemeClr val="lt1"/>
+          </a:fontRef>
+        </p:style>
+        <p:txBody>
+          <a:bodyPr rtlCol="0" anchor="ctr"/>
+          <a:lstStyle/>
+          <a:p>
+            <a:pPr algn="ctr"/>
+            <a:r>
+              <a:rPr lang="en-US" sz="1000" dirty="0"/>
+              <a:t>12V Source</a:t>
+            </a:r>
+          </a:p>
+        </p:txBody>
+      </p:sp>
+      <p:sp>
+        <p:nvSpPr>
+          <p:cNvPr id="1073" name="Arrow: Right 1072">
+            <a:extLst>
+              <a:ext uri="{FF2B5EF4-FFF2-40B4-BE49-F238E27FC236}">
+                <a16:creationId xmlns:a16="http://schemas.microsoft.com/office/drawing/2014/main" id="{78E32306-20CF-5626-EC2A-D46FB0C669B9}"/>
+              </a:ext>
+            </a:extLst>
+          </p:cNvPr>
+          <p:cNvSpPr/>
+          <p:nvPr/>
+        </p:nvSpPr>
+        <p:spPr>
+          <a:xfrm rot="16200000">
+            <a:off x="2496098" y="2051917"/>
+            <a:ext cx="125649" cy="226200"/>
+          </a:xfrm>
+          <a:prstGeom prst="rightArrow">
+            <a:avLst/>
+          </a:prstGeom>
+        </p:spPr>
+        <p:style>
+          <a:lnRef idx="2">
+            <a:schemeClr val="accent1">
+              <a:shade val="50000"/>
+            </a:schemeClr>
+          </a:lnRef>
+          <a:fillRef idx="1">
+            <a:schemeClr val="accent1"/>
+          </a:fillRef>
+          <a:effectRef idx="0">
+            <a:schemeClr val="accent1"/>
+          </a:effectRef>
+          <a:fontRef idx="minor">
+            <a:schemeClr val="lt1"/>
+          </a:fontRef>
+        </p:style>
+        <p:txBody>
+          <a:bodyPr rtlCol="0" anchor="ctr"/>
+          <a:lstStyle/>
+          <a:p>
+            <a:pPr algn="ctr"/>
+            <a:endParaRPr lang="en-US"/>
+          </a:p>
+        </p:txBody>
+      </p:sp>
+      <p:sp>
+        <p:nvSpPr>
+          <p:cNvPr id="1074" name="TextBox 1073">
+            <a:extLst>
+              <a:ext uri="{FF2B5EF4-FFF2-40B4-BE49-F238E27FC236}">
+                <a16:creationId xmlns:a16="http://schemas.microsoft.com/office/drawing/2014/main" id="{BCD69E39-E000-8559-83BB-B6F37F38DCEB}"/>
+              </a:ext>
+            </a:extLst>
+          </p:cNvPr>
+          <p:cNvSpPr txBox="1"/>
+          <p:nvPr/>
+        </p:nvSpPr>
+        <p:spPr>
+          <a:xfrm>
+            <a:off x="2213971" y="1903589"/>
+            <a:ext cx="699230" cy="230832"/>
+          </a:xfrm>
+          <a:prstGeom prst="rect">
+            <a:avLst/>
+          </a:prstGeom>
+          <a:noFill/>
+        </p:spPr>
+        <p:txBody>
+          <a:bodyPr wrap="none" rtlCol="0">
+            <a:spAutoFit/>
+          </a:bodyPr>
+          <a:lstStyle/>
+          <a:p>
+            <a:pPr algn="ctr"/>
+            <a:r>
+              <a:rPr lang="en-US" sz="900" dirty="0"/>
+              <a:t>To Feeders</a:t>
+            </a:r>
+          </a:p>
+        </p:txBody>
+      </p:sp>
+      <p:sp>
+        <p:nvSpPr>
+          <p:cNvPr id="1077" name="TextBox 1076">
+            <a:extLst>
+              <a:ext uri="{FF2B5EF4-FFF2-40B4-BE49-F238E27FC236}">
+                <a16:creationId xmlns:a16="http://schemas.microsoft.com/office/drawing/2014/main" id="{5F45681B-F6D6-6B88-59F4-EAB8B07B8B25}"/>
+              </a:ext>
+            </a:extLst>
+          </p:cNvPr>
+          <p:cNvSpPr txBox="1"/>
+          <p:nvPr/>
+        </p:nvSpPr>
+        <p:spPr>
+          <a:xfrm>
+            <a:off x="1901087" y="1475238"/>
+            <a:ext cx="3521926" cy="369332"/>
+          </a:xfrm>
+          <a:prstGeom prst="rect">
+            <a:avLst/>
+          </a:prstGeom>
+          <a:noFill/>
+        </p:spPr>
+        <p:txBody>
+          <a:bodyPr wrap="none" rtlCol="0">
+            <a:spAutoFit/>
+          </a:bodyPr>
+          <a:lstStyle/>
+          <a:p>
+            <a:r>
+              <a:rPr lang="en-US" dirty="0"/>
+              <a:t>Experiment Control Microcontroller</a:t>
+            </a:r>
+          </a:p>
+        </p:txBody>
+      </p:sp>
+      <p:sp>
+        <p:nvSpPr>
+          <p:cNvPr id="1086" name="TextBox 1085">
+            <a:extLst>
+              <a:ext uri="{FF2B5EF4-FFF2-40B4-BE49-F238E27FC236}">
+                <a16:creationId xmlns:a16="http://schemas.microsoft.com/office/drawing/2014/main" id="{2B8ED2B7-0F6E-76B2-0ADD-CBB7359BAF9E}"/>
+              </a:ext>
+            </a:extLst>
+          </p:cNvPr>
+          <p:cNvSpPr txBox="1"/>
+          <p:nvPr/>
+        </p:nvSpPr>
+        <p:spPr>
+          <a:xfrm>
+            <a:off x="3811086" y="1769758"/>
+            <a:ext cx="774192" cy="246221"/>
+          </a:xfrm>
+          <a:prstGeom prst="rect">
+            <a:avLst/>
+          </a:prstGeom>
+          <a:noFill/>
+        </p:spPr>
+        <p:txBody>
+          <a:bodyPr wrap="square">
+            <a:spAutoFit/>
+          </a:bodyPr>
+          <a:lstStyle/>
+          <a:p>
+            <a:pPr algn="ctr"/>
+            <a:r>
+              <a:rPr lang="en-US" sz="1000" dirty="0"/>
+              <a:t>USB to PC</a:t>
+            </a:r>
+          </a:p>
+        </p:txBody>
+      </p:sp>
+      <p:sp>
+        <p:nvSpPr>
+          <p:cNvPr id="1087" name="TextBox 1086">
+            <a:extLst>
+              <a:ext uri="{FF2B5EF4-FFF2-40B4-BE49-F238E27FC236}">
+                <a16:creationId xmlns:a16="http://schemas.microsoft.com/office/drawing/2014/main" id="{EB13B921-949E-28E5-4547-5368818EAB58}"/>
+              </a:ext>
+            </a:extLst>
+          </p:cNvPr>
+          <p:cNvSpPr txBox="1"/>
+          <p:nvPr/>
+        </p:nvSpPr>
+        <p:spPr>
+          <a:xfrm>
+            <a:off x="2767098" y="1844374"/>
+            <a:ext cx="678481" cy="338554"/>
+          </a:xfrm>
+          <a:prstGeom prst="rect">
+            <a:avLst/>
+          </a:prstGeom>
+          <a:noFill/>
+        </p:spPr>
+        <p:txBody>
+          <a:bodyPr wrap="square" rtlCol="0">
+            <a:spAutoFit/>
+          </a:bodyPr>
+          <a:lstStyle/>
+          <a:p>
+            <a:pPr algn="ctr"/>
+            <a:r>
+              <a:rPr lang="en-US" sz="800" b="1" dirty="0"/>
+              <a:t>7-12V source</a:t>
+            </a:r>
+          </a:p>
+        </p:txBody>
+      </p:sp>
+      <p:sp>
+        <p:nvSpPr>
+          <p:cNvPr id="1085" name="Arrow: Right 1084">
+            <a:extLst>
+              <a:ext uri="{FF2B5EF4-FFF2-40B4-BE49-F238E27FC236}">
+                <a16:creationId xmlns:a16="http://schemas.microsoft.com/office/drawing/2014/main" id="{83D03C92-7EBC-3D17-2937-40768E6D56A4}"/>
+              </a:ext>
+            </a:extLst>
+          </p:cNvPr>
+          <p:cNvSpPr/>
+          <p:nvPr/>
+        </p:nvSpPr>
+        <p:spPr>
+          <a:xfrm rot="16200000">
+            <a:off x="3941279" y="2109511"/>
+            <a:ext cx="513805" cy="319281"/>
+          </a:xfrm>
+          <a:prstGeom prst="rightArrow">
+            <a:avLst/>
+          </a:prstGeom>
+          <a:solidFill>
+            <a:srgbClr val="FFFF00"/>
+          </a:solidFill>
+          <a:ln w="38100">
+            <a:solidFill>
+              <a:schemeClr val="tx1"/>
+            </a:solidFill>
+          </a:ln>
+        </p:spPr>
+        <p:style>
+          <a:lnRef idx="2">
+            <a:schemeClr val="accent1">
+              <a:shade val="50000"/>
+            </a:schemeClr>
+          </a:lnRef>
+          <a:fillRef idx="1">
+            <a:schemeClr val="accent1"/>
+          </a:fillRef>
+          <a:effectRef idx="0">
+            <a:schemeClr val="accent1"/>
+          </a:effectRef>
+          <a:fontRef idx="minor">
+            <a:schemeClr val="lt1"/>
+          </a:fontRef>
+        </p:style>
+        <p:txBody>
+          <a:bodyPr rtlCol="0" anchor="ctr"/>
+          <a:lstStyle/>
+          <a:p>
+            <a:pPr algn="ctr"/>
+            <a:endParaRPr lang="en-US"/>
+          </a:p>
+        </p:txBody>
+      </p:sp>
+      <p:pic>
+        <p:nvPicPr>
+          <p:cNvPr id="1096" name="Picture 1095">
+            <a:extLst>
+              <a:ext uri="{FF2B5EF4-FFF2-40B4-BE49-F238E27FC236}">
+                <a16:creationId xmlns:a16="http://schemas.microsoft.com/office/drawing/2014/main" id="{2BE87B1D-7657-7D6A-4777-1B45CD8FBB4E}"/>
+              </a:ext>
+            </a:extLst>
+          </p:cNvPr>
+          <p:cNvPicPr>
+            <a:picLocks noChangeAspect="1"/>
+          </p:cNvPicPr>
+          <p:nvPr/>
+        </p:nvPicPr>
+        <p:blipFill>
+          <a:blip r:embed="rId3"/>
+          <a:stretch>
+            <a:fillRect/>
+          </a:stretch>
+        </p:blipFill>
+        <p:spPr>
+          <a:xfrm>
+            <a:off x="12452586" y="-3084331"/>
+            <a:ext cx="9144000" cy="6477000"/>
+          </a:xfrm>
+          <a:prstGeom prst="rect">
+            <a:avLst/>
+          </a:prstGeom>
+        </p:spPr>
+      </p:pic>
+      <p:sp>
+        <p:nvSpPr>
+          <p:cNvPr id="1097" name="TextBox 1096">
+            <a:extLst>
+              <a:ext uri="{FF2B5EF4-FFF2-40B4-BE49-F238E27FC236}">
+                <a16:creationId xmlns:a16="http://schemas.microsoft.com/office/drawing/2014/main" id="{923FEFA8-CFCA-43F3-D584-F6170712771F}"/>
+              </a:ext>
+            </a:extLst>
+          </p:cNvPr>
+          <p:cNvSpPr txBox="1"/>
+          <p:nvPr/>
+        </p:nvSpPr>
+        <p:spPr>
+          <a:xfrm>
+            <a:off x="640080" y="243840"/>
+            <a:ext cx="3363870" cy="646331"/>
+          </a:xfrm>
+          <a:prstGeom prst="rect">
+            <a:avLst/>
+          </a:prstGeom>
+          <a:noFill/>
+        </p:spPr>
+        <p:txBody>
+          <a:bodyPr wrap="none" rtlCol="0">
+            <a:spAutoFit/>
+          </a:bodyPr>
+          <a:lstStyle/>
+          <a:p>
+            <a:r>
+              <a:rPr lang="en-US" dirty="0"/>
+              <a:t>Picture from the Arduino website.</a:t>
+            </a:r>
+          </a:p>
+          <a:p>
+            <a:r>
+              <a:rPr lang="en-US" dirty="0"/>
+              <a:t>Single Arduino setup</a:t>
+            </a:r>
+          </a:p>
+        </p:txBody>
+      </p:sp>
+      <p:pic>
+        <p:nvPicPr>
+          <p:cNvPr id="1098" name="Picture 1097">
+            <a:extLst>
+              <a:ext uri="{FF2B5EF4-FFF2-40B4-BE49-F238E27FC236}">
+                <a16:creationId xmlns:a16="http://schemas.microsoft.com/office/drawing/2014/main" id="{AB70FD8C-EBDC-5428-4BF9-F4ED39F4194A}"/>
+              </a:ext>
+            </a:extLst>
+          </p:cNvPr>
+          <p:cNvPicPr>
+            <a:picLocks noChangeAspect="1"/>
+          </p:cNvPicPr>
+          <p:nvPr/>
+        </p:nvPicPr>
+        <p:blipFill rotWithShape="1">
+          <a:blip r:embed="rId4"/>
+          <a:srcRect l="28464" t="5555" r="25430" b="13778"/>
+          <a:stretch/>
+        </p:blipFill>
+        <p:spPr>
+          <a:xfrm>
+            <a:off x="12192000" y="3773504"/>
+            <a:ext cx="1940176" cy="2748501"/>
+          </a:xfrm>
+          <a:prstGeom prst="rect">
+            <a:avLst/>
+          </a:prstGeom>
+        </p:spPr>
+      </p:pic>
+    </p:spTree>
+    <p:extLst>
+      <p:ext uri="{BB962C8B-B14F-4D97-AF65-F5344CB8AC3E}">
+        <p14:creationId xmlns:p14="http://schemas.microsoft.com/office/powerpoint/2010/main" val="1853653587"/>
+      </p:ext>
+    </p:extLst>
+  </p:cSld>
+  <p:clrMapOvr>
+    <a:masterClrMapping/>
+  </p:clrMapOvr>
+</p:sld>
+</file>
+
+<file path=ppt/slides/slide3.xml><?xml version="1.0" encoding="utf-8"?>
+<p:sld xmlns:a="http://schemas.openxmlformats.org/drawingml/2006/main" xmlns:r="http://schemas.openxmlformats.org/officeDocument/2006/relationships" xmlns:p="http://schemas.openxmlformats.org/presentationml/2006/main">
+  <p:cSld>
+    <p:spTree>
+      <p:nvGrpSpPr>
+        <p:cNvPr id="1" name=""/>
+        <p:cNvGrpSpPr/>
+        <p:nvPr/>
+      </p:nvGrpSpPr>
+      <p:grpSpPr>
+        <a:xfrm>
+          <a:off x="0" y="0"/>
+          <a:ext cx="0" cy="0"/>
+          <a:chOff x="0" y="0"/>
+          <a:chExt cx="0" cy="0"/>
+        </a:xfrm>
+      </p:grpSpPr>
       <p:pic>
         <p:nvPicPr>
           <p:cNvPr id="3" name="Picture 2">
@@ -6030,7 +7679,7 @@
 </p:sld>
 </file>
 
-<file path=ppt/slides/slide3.xml><?xml version="1.0" encoding="utf-8"?>
+<file path=ppt/slides/slide4.xml><?xml version="1.0" encoding="utf-8"?>
 <p:sld xmlns:a="http://schemas.openxmlformats.org/drawingml/2006/main" xmlns:r="http://schemas.openxmlformats.org/officeDocument/2006/relationships" xmlns:p="http://schemas.openxmlformats.org/presentationml/2006/main">
   <p:cSld>
     <p:bg>
